--- a/CS332_Presentation.pptx
+++ b/CS332_Presentation.pptx
@@ -285,7 +285,7 @@
           <a:p>
             <a:fld id="{347F4F74-2BAC-CC4B-97D7-80005F4BB3F7}" type="datetimeFigureOut">
               <a:rPr lang="en-US" smtClean="0"/>
-              <a:t>4/27/17</a:t>
+              <a:t>4/28/17</a:t>
             </a:fld>
             <a:endParaRPr lang="en-US"/>
           </a:p>
@@ -450,7 +450,7 @@
           <a:p>
             <a:fld id="{347F4F74-2BAC-CC4B-97D7-80005F4BB3F7}" type="datetimeFigureOut">
               <a:rPr lang="en-US" smtClean="0"/>
-              <a:t>4/27/17</a:t>
+              <a:t>4/28/17</a:t>
             </a:fld>
             <a:endParaRPr lang="en-US"/>
           </a:p>
@@ -625,7 +625,7 @@
           <a:p>
             <a:fld id="{347F4F74-2BAC-CC4B-97D7-80005F4BB3F7}" type="datetimeFigureOut">
               <a:rPr lang="en-US" smtClean="0"/>
-              <a:t>4/27/17</a:t>
+              <a:t>4/28/17</a:t>
             </a:fld>
             <a:endParaRPr lang="en-US"/>
           </a:p>
@@ -790,7 +790,7 @@
           <a:p>
             <a:fld id="{347F4F74-2BAC-CC4B-97D7-80005F4BB3F7}" type="datetimeFigureOut">
               <a:rPr lang="en-US" smtClean="0"/>
-              <a:t>4/27/17</a:t>
+              <a:t>4/28/17</a:t>
             </a:fld>
             <a:endParaRPr lang="en-US"/>
           </a:p>
@@ -1053,7 +1053,7 @@
           <a:p>
             <a:fld id="{347F4F74-2BAC-CC4B-97D7-80005F4BB3F7}" type="datetimeFigureOut">
               <a:rPr lang="en-US" smtClean="0"/>
-              <a:t>4/27/17</a:t>
+              <a:t>4/28/17</a:t>
             </a:fld>
             <a:endParaRPr lang="en-US"/>
           </a:p>
@@ -1280,7 +1280,7 @@
           <a:p>
             <a:fld id="{347F4F74-2BAC-CC4B-97D7-80005F4BB3F7}" type="datetimeFigureOut">
               <a:rPr lang="en-US" smtClean="0"/>
-              <a:t>4/27/17</a:t>
+              <a:t>4/28/17</a:t>
             </a:fld>
             <a:endParaRPr lang="en-US"/>
           </a:p>
@@ -1634,7 +1634,7 @@
           <a:p>
             <a:fld id="{347F4F74-2BAC-CC4B-97D7-80005F4BB3F7}" type="datetimeFigureOut">
               <a:rPr lang="en-US" smtClean="0"/>
-              <a:t>4/27/17</a:t>
+              <a:t>4/28/17</a:t>
             </a:fld>
             <a:endParaRPr lang="en-US"/>
           </a:p>
@@ -1770,7 +1770,7 @@
           <a:p>
             <a:fld id="{347F4F74-2BAC-CC4B-97D7-80005F4BB3F7}" type="datetimeFigureOut">
               <a:rPr lang="en-US" smtClean="0"/>
-              <a:t>4/27/17</a:t>
+              <a:t>4/28/17</a:t>
             </a:fld>
             <a:endParaRPr lang="en-US"/>
           </a:p>
@@ -1860,7 +1860,7 @@
           <a:p>
             <a:fld id="{347F4F74-2BAC-CC4B-97D7-80005F4BB3F7}" type="datetimeFigureOut">
               <a:rPr lang="en-US" smtClean="0"/>
-              <a:t>4/27/17</a:t>
+              <a:t>4/28/17</a:t>
             </a:fld>
             <a:endParaRPr lang="en-US"/>
           </a:p>
@@ -2212,7 +2212,7 @@
           <a:p>
             <a:fld id="{347F4F74-2BAC-CC4B-97D7-80005F4BB3F7}" type="datetimeFigureOut">
               <a:rPr lang="en-US" smtClean="0"/>
-              <a:t>4/27/17</a:t>
+              <a:t>4/28/17</a:t>
             </a:fld>
             <a:endParaRPr lang="en-US"/>
           </a:p>
@@ -2564,7 +2564,7 @@
           <a:p>
             <a:fld id="{347F4F74-2BAC-CC4B-97D7-80005F4BB3F7}" type="datetimeFigureOut">
               <a:rPr lang="en-US" smtClean="0"/>
-              <a:t>4/27/17</a:t>
+              <a:t>4/28/17</a:t>
             </a:fld>
             <a:endParaRPr lang="en-US"/>
           </a:p>
@@ -2800,7 +2800,7 @@
           <a:p>
             <a:fld id="{347F4F74-2BAC-CC4B-97D7-80005F4BB3F7}" type="datetimeFigureOut">
               <a:rPr lang="en-US" smtClean="0"/>
-              <a:t>4/27/17</a:t>
+              <a:t>4/28/17</a:t>
             </a:fld>
             <a:endParaRPr lang="en-US"/>
           </a:p>
@@ -3732,7 +3732,6 @@
               <a:rPr lang="en-US" dirty="0" smtClean="0"/>
               <a:t> </a:t>
             </a:r>
-            <a:endParaRPr lang="en-US" dirty="0" smtClean="0"/>
           </a:p>
           <a:p>
             <a:pPr marL="0" marR="0" lvl="0" indent="0" defTabSz="914400" eaLnBrk="1" fontAlgn="auto" latinLnBrk="0" hangingPunct="1">
@@ -4081,7 +4080,142 @@
             </a:r>
           </a:p>
           <a:p>
+            <a:pPr lvl="3"/>
             <a:endParaRPr lang="en-US" dirty="0"/>
+          </a:p>
+        </p:txBody>
+      </p:sp>
+      <p:pic>
+        <p:nvPicPr>
+          <p:cNvPr id="4" name="Picture 3"/>
+          <p:cNvPicPr>
+            <a:picLocks noChangeAspect="1"/>
+          </p:cNvPicPr>
+          <p:nvPr/>
+        </p:nvPicPr>
+        <p:blipFill>
+          <a:blip r:embed="rId2">
+            <a:extLst>
+              <a:ext uri="{28A0092B-C50C-407E-A947-70E740481C1C}">
+                <a14:useLocalDpi xmlns:a14="http://schemas.microsoft.com/office/drawing/2010/main" val="0"/>
+              </a:ext>
+            </a:extLst>
+          </a:blip>
+          <a:stretch>
+            <a:fillRect/>
+          </a:stretch>
+        </p:blipFill>
+        <p:spPr>
+          <a:xfrm>
+            <a:off x="6415548" y="2638044"/>
+            <a:ext cx="3267176" cy="922624"/>
+          </a:xfrm>
+          <a:prstGeom prst="rect">
+            <a:avLst/>
+          </a:prstGeom>
+        </p:spPr>
+      </p:pic>
+      <p:pic>
+        <p:nvPicPr>
+          <p:cNvPr id="5" name="Picture 4"/>
+          <p:cNvPicPr>
+            <a:picLocks noChangeAspect="1"/>
+          </p:cNvPicPr>
+          <p:nvPr/>
+        </p:nvPicPr>
+        <p:blipFill>
+          <a:blip r:embed="rId3">
+            <a:extLst>
+              <a:ext uri="{28A0092B-C50C-407E-A947-70E740481C1C}">
+                <a14:useLocalDpi xmlns:a14="http://schemas.microsoft.com/office/drawing/2010/main" val="0"/>
+              </a:ext>
+            </a:extLst>
+          </a:blip>
+          <a:stretch>
+            <a:fillRect/>
+          </a:stretch>
+        </p:blipFill>
+        <p:spPr>
+          <a:xfrm>
+            <a:off x="6277864" y="4561809"/>
+            <a:ext cx="3683000" cy="831645"/>
+          </a:xfrm>
+          <a:prstGeom prst="rect">
+            <a:avLst/>
+          </a:prstGeom>
+        </p:spPr>
+      </p:pic>
+      <p:sp>
+        <p:nvSpPr>
+          <p:cNvPr id="6" name="TextBox 5"/>
+          <p:cNvSpPr txBox="1"/>
+          <p:nvPr/>
+        </p:nvSpPr>
+        <p:spPr>
+          <a:xfrm>
+            <a:off x="6098618" y="5443630"/>
+            <a:ext cx="4041491" cy="246221"/>
+          </a:xfrm>
+          <a:prstGeom prst="rect">
+            <a:avLst/>
+          </a:prstGeom>
+          <a:noFill/>
+        </p:spPr>
+        <p:txBody>
+          <a:bodyPr wrap="none" rtlCol="0">
+            <a:spAutoFit/>
+          </a:bodyPr>
+          <a:lstStyle/>
+          <a:p>
+            <a:r>
+              <a:rPr lang="en-US" sz="1000" dirty="0"/>
+              <a:t>https://</a:t>
+            </a:r>
+            <a:r>
+              <a:rPr lang="en-US" sz="1000" dirty="0" err="1"/>
+              <a:t>umbrella.cisco.com</a:t>
+            </a:r>
+            <a:r>
+              <a:rPr lang="en-US" sz="1000" dirty="0"/>
+              <a:t>/blog/blog/2014/10/16/detecting-pinyin-domains/</a:t>
+            </a:r>
+          </a:p>
+        </p:txBody>
+      </p:sp>
+      <p:sp>
+        <p:nvSpPr>
+          <p:cNvPr id="7" name="TextBox 6"/>
+          <p:cNvSpPr txBox="1"/>
+          <p:nvPr/>
+        </p:nvSpPr>
+        <p:spPr>
+          <a:xfrm>
+            <a:off x="6041710" y="3497871"/>
+            <a:ext cx="4155305" cy="246221"/>
+          </a:xfrm>
+          <a:prstGeom prst="rect">
+            <a:avLst/>
+          </a:prstGeom>
+          <a:noFill/>
+        </p:spPr>
+        <p:txBody>
+          <a:bodyPr wrap="none" rtlCol="0">
+            <a:spAutoFit/>
+          </a:bodyPr>
+          <a:lstStyle/>
+          <a:p>
+            <a:r>
+              <a:rPr lang="en-US" sz="1000" dirty="0"/>
+              <a:t>https://</a:t>
+            </a:r>
+            <a:r>
+              <a:rPr lang="en-US" sz="1000" dirty="0" err="1"/>
+              <a:t>qph.ec.quoracdn.net</a:t>
+            </a:r>
+            <a:r>
+              <a:rPr lang="en-US" sz="1000" dirty="0"/>
+              <a:t>/main-qimg-003a7aaa0935215238a082f0412fb564</a:t>
+            </a:r>
           </a:p>
         </p:txBody>
       </p:sp>
@@ -4197,6 +4331,66 @@
               <a:rPr lang="en-US" dirty="0" smtClean="0"/>
               <a:t>Calculating Translation Accuracy</a:t>
             </a:r>
+          </a:p>
+        </p:txBody>
+      </p:sp>
+      <p:pic>
+        <p:nvPicPr>
+          <p:cNvPr id="4" name="Picture 3"/>
+          <p:cNvPicPr>
+            <a:picLocks noChangeAspect="1"/>
+          </p:cNvPicPr>
+          <p:nvPr/>
+        </p:nvPicPr>
+        <p:blipFill>
+          <a:blip r:embed="rId2">
+            <a:extLst>
+              <a:ext uri="{28A0092B-C50C-407E-A947-70E740481C1C}">
+                <a14:useLocalDpi xmlns:a14="http://schemas.microsoft.com/office/drawing/2010/main" val="0"/>
+              </a:ext>
+            </a:extLst>
+          </a:blip>
+          <a:stretch>
+            <a:fillRect/>
+          </a:stretch>
+        </p:blipFill>
+        <p:spPr>
+          <a:xfrm>
+            <a:off x="7696831" y="2584072"/>
+            <a:ext cx="2596896" cy="2786623"/>
+          </a:xfrm>
+          <a:prstGeom prst="rect">
+            <a:avLst/>
+          </a:prstGeom>
+        </p:spPr>
+      </p:pic>
+      <p:sp>
+        <p:nvSpPr>
+          <p:cNvPr id="5" name="TextBox 4"/>
+          <p:cNvSpPr txBox="1"/>
+          <p:nvPr/>
+        </p:nvSpPr>
+        <p:spPr>
+          <a:xfrm>
+            <a:off x="8029694" y="5370695"/>
+            <a:ext cx="1931170" cy="369332"/>
+          </a:xfrm>
+          <a:prstGeom prst="rect">
+            <a:avLst/>
+          </a:prstGeom>
+          <a:noFill/>
+        </p:spPr>
+        <p:txBody>
+          <a:bodyPr wrap="none" rtlCol="0">
+            <a:spAutoFit/>
+          </a:bodyPr>
+          <a:lstStyle/>
+          <a:p>
+            <a:r>
+              <a:rPr lang="en-US" smtClean="0"/>
+              <a:t>JavaScript Program</a:t>
+            </a:r>
+            <a:endParaRPr lang="en-US"/>
           </a:p>
         </p:txBody>
       </p:sp>
@@ -7141,21 +7335,121 @@
           </a:p>
         </p:txBody>
       </p:sp>
-      <p:sp>
-        <p:nvSpPr>
-          <p:cNvPr id="3" name="Content Placeholder 2"/>
-          <p:cNvSpPr>
-            <a:spLocks noGrp="1"/>
-          </p:cNvSpPr>
+      <p:pic>
+        <p:nvPicPr>
+          <p:cNvPr id="4" name="Content Placeholder 3"/>
+          <p:cNvPicPr>
+            <a:picLocks noGrp="1" noChangeAspect="1"/>
+          </p:cNvPicPr>
           <p:nvPr>
             <p:ph idx="1"/>
           </p:nvPr>
-        </p:nvSpPr>
-        <p:spPr/>
-        <p:txBody>
-          <a:bodyPr/>
+        </p:nvPicPr>
+        <p:blipFill>
+          <a:blip r:embed="rId2">
+            <a:extLst>
+              <a:ext uri="{28A0092B-C50C-407E-A947-70E740481C1C}">
+                <a14:useLocalDpi xmlns:a14="http://schemas.microsoft.com/office/drawing/2010/main" val="0"/>
+              </a:ext>
+            </a:extLst>
+          </a:blip>
+          <a:stretch>
+            <a:fillRect/>
+          </a:stretch>
+        </p:blipFill>
+        <p:spPr>
+          <a:xfrm>
+            <a:off x="219265" y="2337231"/>
+            <a:ext cx="5876735" cy="3101975"/>
+          </a:xfrm>
+        </p:spPr>
+      </p:pic>
+      <p:pic>
+        <p:nvPicPr>
+          <p:cNvPr id="5" name="Picture 4"/>
+          <p:cNvPicPr>
+            <a:picLocks noChangeAspect="1"/>
+          </p:cNvPicPr>
+          <p:nvPr/>
+        </p:nvPicPr>
+        <p:blipFill>
+          <a:blip r:embed="rId3">
+            <a:extLst>
+              <a:ext uri="{28A0092B-C50C-407E-A947-70E740481C1C}">
+                <a14:useLocalDpi xmlns:a14="http://schemas.microsoft.com/office/drawing/2010/main" val="0"/>
+              </a:ext>
+            </a:extLst>
+          </a:blip>
+          <a:stretch>
+            <a:fillRect/>
+          </a:stretch>
+        </p:blipFill>
+        <p:spPr>
+          <a:xfrm>
+            <a:off x="6317225" y="2313960"/>
+            <a:ext cx="5358066" cy="3148518"/>
+          </a:xfrm>
+          <a:prstGeom prst="rect">
+            <a:avLst/>
+          </a:prstGeom>
+        </p:spPr>
+      </p:pic>
+      <p:sp>
+        <p:nvSpPr>
+          <p:cNvPr id="6" name="TextBox 5"/>
+          <p:cNvSpPr txBox="1"/>
+          <p:nvPr/>
+        </p:nvSpPr>
+        <p:spPr>
+          <a:xfrm>
+            <a:off x="2557948" y="5623025"/>
+            <a:ext cx="1199367" cy="369332"/>
+          </a:xfrm>
+          <a:prstGeom prst="rect">
+            <a:avLst/>
+          </a:prstGeom>
+          <a:noFill/>
+        </p:spPr>
+        <p:txBody>
+          <a:bodyPr wrap="none" rtlCol="0">
+            <a:spAutoFit/>
+          </a:bodyPr>
           <a:lstStyle/>
           <a:p>
+            <a:r>
+              <a:rPr lang="en-US" dirty="0" smtClean="0"/>
+              <a:t>C++ Code</a:t>
+            </a:r>
+            <a:endParaRPr lang="en-US" dirty="0"/>
+          </a:p>
+        </p:txBody>
+      </p:sp>
+      <p:sp>
+        <p:nvSpPr>
+          <p:cNvPr id="7" name="TextBox 6"/>
+          <p:cNvSpPr txBox="1"/>
+          <p:nvPr/>
+        </p:nvSpPr>
+        <p:spPr>
+          <a:xfrm>
+            <a:off x="8168980" y="5623026"/>
+            <a:ext cx="1654556" cy="369332"/>
+          </a:xfrm>
+          <a:prstGeom prst="rect">
+            <a:avLst/>
+          </a:prstGeom>
+          <a:noFill/>
+        </p:spPr>
+        <p:txBody>
+          <a:bodyPr wrap="none" rtlCol="0">
+            <a:spAutoFit/>
+          </a:bodyPr>
+          <a:lstStyle/>
+          <a:p>
+            <a:r>
+              <a:rPr lang="en-US" dirty="0" smtClean="0"/>
+              <a:t>JavaScript Code</a:t>
+            </a:r>
             <a:endParaRPr lang="en-US" dirty="0"/>
           </a:p>
         </p:txBody>
@@ -7252,6 +7546,130 @@
               <a:t>Number of Libraries</a:t>
             </a:r>
             <a:endParaRPr lang="en-US" dirty="0"/>
+          </a:p>
+        </p:txBody>
+      </p:sp>
+      <p:pic>
+        <p:nvPicPr>
+          <p:cNvPr id="4" name="Picture 3"/>
+          <p:cNvPicPr>
+            <a:picLocks noChangeAspect="1"/>
+          </p:cNvPicPr>
+          <p:nvPr/>
+        </p:nvPicPr>
+        <p:blipFill>
+          <a:blip r:embed="rId2">
+            <a:extLst>
+              <a:ext uri="{28A0092B-C50C-407E-A947-70E740481C1C}">
+                <a14:useLocalDpi xmlns:a14="http://schemas.microsoft.com/office/drawing/2010/main" val="0"/>
+              </a:ext>
+            </a:extLst>
+          </a:blip>
+          <a:stretch>
+            <a:fillRect/>
+          </a:stretch>
+        </p:blipFill>
+        <p:spPr>
+          <a:xfrm>
+            <a:off x="6096000" y="2638044"/>
+            <a:ext cx="4115816" cy="1059900"/>
+          </a:xfrm>
+          <a:prstGeom prst="rect">
+            <a:avLst/>
+          </a:prstGeom>
+        </p:spPr>
+      </p:pic>
+      <p:pic>
+        <p:nvPicPr>
+          <p:cNvPr id="5" name="Picture 4"/>
+          <p:cNvPicPr>
+            <a:picLocks noChangeAspect="1"/>
+          </p:cNvPicPr>
+          <p:nvPr/>
+        </p:nvPicPr>
+        <p:blipFill>
+          <a:blip r:embed="rId3">
+            <a:extLst>
+              <a:ext uri="{28A0092B-C50C-407E-A947-70E740481C1C}">
+                <a14:useLocalDpi xmlns:a14="http://schemas.microsoft.com/office/drawing/2010/main" val="0"/>
+              </a:ext>
+            </a:extLst>
+          </a:blip>
+          <a:stretch>
+            <a:fillRect/>
+          </a:stretch>
+        </p:blipFill>
+        <p:spPr>
+          <a:xfrm>
+            <a:off x="6096000" y="4331076"/>
+            <a:ext cx="4046220" cy="1408951"/>
+          </a:xfrm>
+          <a:prstGeom prst="rect">
+            <a:avLst/>
+          </a:prstGeom>
+        </p:spPr>
+      </p:pic>
+      <p:sp>
+        <p:nvSpPr>
+          <p:cNvPr id="6" name="TextBox 5"/>
+          <p:cNvSpPr txBox="1"/>
+          <p:nvPr/>
+        </p:nvSpPr>
+        <p:spPr>
+          <a:xfrm>
+            <a:off x="7290998" y="3813244"/>
+            <a:ext cx="1656223" cy="369332"/>
+          </a:xfrm>
+          <a:prstGeom prst="rect">
+            <a:avLst/>
+          </a:prstGeom>
+          <a:noFill/>
+        </p:spPr>
+        <p:txBody>
+          <a:bodyPr wrap="none" rtlCol="0">
+            <a:spAutoFit/>
+          </a:bodyPr>
+          <a:lstStyle/>
+          <a:p>
+            <a:r>
+              <a:rPr lang="en-US" dirty="0" smtClean="0"/>
+              <a:t>C</a:t>
+            </a:r>
+            <a:r>
+              <a:rPr lang="en-US" smtClean="0"/>
+              <a:t>++ Debugging</a:t>
+            </a:r>
+            <a:endParaRPr lang="en-US"/>
+          </a:p>
+        </p:txBody>
+      </p:sp>
+      <p:sp>
+        <p:nvSpPr>
+          <p:cNvPr id="7" name="TextBox 6"/>
+          <p:cNvSpPr txBox="1"/>
+          <p:nvPr/>
+        </p:nvSpPr>
+        <p:spPr>
+          <a:xfrm>
+            <a:off x="6640210" y="5815166"/>
+            <a:ext cx="2957797" cy="369332"/>
+          </a:xfrm>
+          <a:prstGeom prst="rect">
+            <a:avLst/>
+          </a:prstGeom>
+          <a:noFill/>
+        </p:spPr>
+        <p:txBody>
+          <a:bodyPr wrap="none" rtlCol="0">
+            <a:spAutoFit/>
+          </a:bodyPr>
+          <a:lstStyle/>
+          <a:p>
+            <a:r>
+              <a:rPr lang="en-US" smtClean="0"/>
+              <a:t>JavaScript Debugging Console</a:t>
+            </a:r>
+            <a:endParaRPr lang="en-US"/>
           </a:p>
         </p:txBody>
       </p:sp>
